--- a/Docs/Terrarium_Presentation.pptx
+++ b/Docs/Terrarium_Presentation.pptx
@@ -108,6 +108,11 @@
       </a:defRPr>
     </a:lvl9pPr>
   </p:defaultTextStyle>
+  <p:extLst>
+    <p:ext uri="{EFAFB233-063F-42B5-8137-9DF3F51BA10A}">
+      <p15:sldGuideLst xmlns:p15="http://schemas.microsoft.com/office/powerpoint/2012/main"/>
+    </p:ext>
+  </p:extLst>
 </p:presentation>
 </file>
 
@@ -4434,15 +4439,65 @@
             <p:ph idx="1"/>
           </p:nvPr>
         </p:nvSpPr>
-        <p:spPr/>
-        <p:txBody>
-          <a:bodyPr/>
+        <p:spPr>
+          <a:xfrm>
+            <a:off x="838199" y="1825625"/>
+            <a:ext cx="10693893" cy="4351338"/>
+          </a:xfrm>
+        </p:spPr>
+        <p:txBody>
+          <a:bodyPr>
+            <a:normAutofit/>
+          </a:bodyPr>
           <a:lstStyle/>
           <a:p>
             <a:pPr marL="0" indent="0">
               <a:buNone/>
             </a:pPr>
-            <a:endParaRPr lang="de-CH" dirty="0"/>
+            <a:endParaRPr lang="de-CH" sz="5400" kern="1000" baseline="-6000" dirty="0"/>
+          </a:p>
+          <a:p>
+            <a:pPr marL="0" indent="0">
+              <a:buNone/>
+            </a:pPr>
+            <a:endParaRPr lang="de-CH" sz="5400" kern="1000" baseline="-6000" dirty="0"/>
+          </a:p>
+          <a:p>
+            <a:pPr marL="0" indent="0">
+              <a:buNone/>
+            </a:pPr>
+            <a:r>
+              <a:rPr lang="de-CH" sz="5400" kern="1000" baseline="-6000" dirty="0" err="1"/>
+              <a:t>curl</a:t>
+            </a:r>
+            <a:r>
+              <a:rPr lang="de-CH" sz="5400" kern="1000" baseline="-6000" dirty="0"/>
+              <a:t> -X POST -d '{"</a:t>
+            </a:r>
+            <a:r>
+              <a:rPr lang="de-CH" sz="5400" kern="1000" baseline="-6000" dirty="0" err="1"/>
+              <a:t>temp</a:t>
+            </a:r>
+            <a:r>
+              <a:rPr lang="de-CH" sz="5400" kern="1000" baseline="-6000" dirty="0"/>
+              <a:t>" : "23", "</a:t>
+            </a:r>
+            <a:r>
+              <a:rPr lang="de-CH" sz="5400" kern="1000" baseline="-6000" dirty="0" err="1"/>
+              <a:t>humi</a:t>
+            </a:r>
+            <a:r>
+              <a:rPr lang="de-CH" sz="5400" kern="1000" baseline="-6000" dirty="0"/>
+              <a:t>" : "33"}' \ 'https://[PROJECT_ID].firebaseio.com/</a:t>
+            </a:r>
+            <a:r>
+              <a:rPr lang="de-CH" sz="5400" kern="1000" baseline="-6000" dirty="0" err="1"/>
+              <a:t>message_list.json</a:t>
+            </a:r>
+            <a:r>
+              <a:rPr lang="de-CH" sz="5400" kern="1000" baseline="-6000" dirty="0"/>
+              <a:t>'</a:t>
+            </a:r>
           </a:p>
         </p:txBody>
       </p:sp>

--- a/Docs/Terrarium_Presentation.pptx
+++ b/Docs/Terrarium_Presentation.pptx
@@ -4441,8 +4441,8 @@
         </p:nvSpPr>
         <p:spPr>
           <a:xfrm>
-            <a:off x="838199" y="1825625"/>
-            <a:ext cx="10693893" cy="4351338"/>
+            <a:off x="363984" y="1825625"/>
+            <a:ext cx="11603115" cy="4351338"/>
           </a:xfrm>
         </p:spPr>
         <p:txBody>
@@ -4454,48 +4454,84 @@
             <a:pPr marL="0" indent="0">
               <a:buNone/>
             </a:pPr>
-            <a:endParaRPr lang="de-CH" sz="5400" kern="1000" baseline="-6000" dirty="0"/>
+            <a:r>
+              <a:rPr lang="de-CH" sz="5400" kern="1000" spc="-100" baseline="-14000" dirty="0"/>
+              <a:t>GET</a:t>
+            </a:r>
           </a:p>
           <a:p>
             <a:pPr marL="0" indent="0">
               <a:buNone/>
             </a:pPr>
-            <a:endParaRPr lang="de-CH" sz="5400" kern="1000" baseline="-6000" dirty="0"/>
+            <a:r>
+              <a:rPr lang="en-US" sz="4800" kern="1000" spc="-100" baseline="-14000" dirty="0"/>
+              <a:t>curl 'https://[PROJECT_ID].firebaseio.com/users/username/</a:t>
+            </a:r>
+            <a:r>
+              <a:rPr lang="en-US" sz="4800" kern="1000" spc="-100" baseline="-14000" dirty="0" err="1"/>
+              <a:t>name.json</a:t>
+            </a:r>
+            <a:r>
+              <a:rPr lang="en-US" sz="4800" kern="1000" spc="-100" baseline="-14000" dirty="0"/>
+              <a:t>’</a:t>
+            </a:r>
+            <a:endParaRPr lang="de-CH" sz="4800" kern="1000" spc="-100" baseline="-14000" dirty="0"/>
           </a:p>
           <a:p>
             <a:pPr marL="0" indent="0">
               <a:buNone/>
             </a:pPr>
-            <a:r>
-              <a:rPr lang="de-CH" sz="5400" kern="1000" baseline="-6000" dirty="0" err="1"/>
+            <a:endParaRPr lang="de-CH" sz="4800" kern="1000" spc="-100" baseline="-14000" dirty="0"/>
+          </a:p>
+          <a:p>
+            <a:pPr marL="0" indent="0">
+              <a:buNone/>
+            </a:pPr>
+            <a:endParaRPr lang="de-CH" sz="4800" kern="1000" spc="-100" baseline="-14000" dirty="0"/>
+          </a:p>
+          <a:p>
+            <a:pPr marL="0" indent="0">
+              <a:buNone/>
+            </a:pPr>
+            <a:r>
+              <a:rPr lang="de-CH" sz="4800" kern="1000" spc="-100" baseline="-14000" dirty="0"/>
+              <a:t>POST</a:t>
+            </a:r>
+          </a:p>
+          <a:p>
+            <a:pPr marL="0" indent="0">
+              <a:buNone/>
+            </a:pPr>
+            <a:r>
+              <a:rPr lang="de-CH" sz="4800" kern="1000" spc="-100" baseline="-14000" dirty="0" err="1"/>
               <a:t>curl</a:t>
             </a:r>
             <a:r>
-              <a:rPr lang="de-CH" sz="5400" kern="1000" baseline="-6000" dirty="0"/>
+              <a:rPr lang="de-CH" sz="4800" kern="1000" spc="-100" baseline="-14000" dirty="0"/>
               <a:t> -X POST -d '{"</a:t>
             </a:r>
             <a:r>
-              <a:rPr lang="de-CH" sz="5400" kern="1000" baseline="-6000" dirty="0" err="1"/>
+              <a:rPr lang="de-CH" sz="4800" kern="1000" spc="-100" baseline="-14000" dirty="0" err="1"/>
               <a:t>temp</a:t>
             </a:r>
             <a:r>
-              <a:rPr lang="de-CH" sz="5400" kern="1000" baseline="-6000" dirty="0"/>
+              <a:rPr lang="de-CH" sz="4800" kern="1000" spc="-100" baseline="-14000" dirty="0"/>
               <a:t>" : "23", "</a:t>
             </a:r>
             <a:r>
-              <a:rPr lang="de-CH" sz="5400" kern="1000" baseline="-6000" dirty="0" err="1"/>
+              <a:rPr lang="de-CH" sz="4800" kern="1000" spc="-100" baseline="-14000" dirty="0" err="1"/>
               <a:t>humi</a:t>
             </a:r>
             <a:r>
-              <a:rPr lang="de-CH" sz="5400" kern="1000" baseline="-6000" dirty="0"/>
+              <a:rPr lang="de-CH" sz="4800" kern="1000" spc="-100" baseline="-14000" dirty="0"/>
               <a:t>" : "33"}' \ 'https://[PROJECT_ID].firebaseio.com/</a:t>
             </a:r>
             <a:r>
-              <a:rPr lang="de-CH" sz="5400" kern="1000" baseline="-6000" dirty="0" err="1"/>
+              <a:rPr lang="de-CH" sz="4800" kern="1000" spc="-100" baseline="-14000" dirty="0" err="1"/>
               <a:t>message_list.json</a:t>
             </a:r>
             <a:r>
-              <a:rPr lang="de-CH" sz="5400" kern="1000" baseline="-6000" dirty="0"/>
+              <a:rPr lang="de-CH" sz="4800" kern="1000" spc="-100" baseline="-14000" dirty="0"/>
               <a:t>'</a:t>
             </a:r>
           </a:p>
